--- a/CS5222 Computer Networks and Internets/Week1.pptx
+++ b/CS5222 Computer Networks and Internets/Week1.pptx
@@ -18,6 +18,8 @@
     <p:sldId id="267" r:id="rId12"/>
     <p:sldId id="266" r:id="rId13"/>
     <p:sldId id="268" r:id="rId14"/>
+    <p:sldId id="269" r:id="rId15"/>
+    <p:sldId id="270" r:id="rId16"/>
   </p:sldIdLst>
   <p:sldSz cx="12192000" cy="6858000"/>
   <p:notesSz cx="6858000" cy="9144000"/>
@@ -146,6 +148,8 @@
         <p14:section name="week3" id="{51480736-5622-4AD5-B433-4E58ADF92964}">
           <p14:sldIdLst>
             <p14:sldId id="268"/>
+            <p14:sldId id="269"/>
+            <p14:sldId id="270"/>
           </p14:sldIdLst>
         </p14:section>
       </p14:sectionLst>
@@ -304,7 +308,7 @@
           <a:p>
             <a:fld id="{CE149F47-2907-4D70-9A3B-9D223D59D4A9}" type="datetimeFigureOut">
               <a:rPr lang="zh-CN" altLang="en-US" smtClean="0"/>
-              <a:t>2024/9/15</a:t>
+              <a:t>2024/9/19</a:t>
             </a:fld>
             <a:endParaRPr lang="zh-CN" altLang="en-US"/>
           </a:p>
@@ -502,7 +506,7 @@
           <a:p>
             <a:fld id="{CE149F47-2907-4D70-9A3B-9D223D59D4A9}" type="datetimeFigureOut">
               <a:rPr lang="zh-CN" altLang="en-US" smtClean="0"/>
-              <a:t>2024/9/15</a:t>
+              <a:t>2024/9/19</a:t>
             </a:fld>
             <a:endParaRPr lang="zh-CN" altLang="en-US"/>
           </a:p>
@@ -710,7 +714,7 @@
           <a:p>
             <a:fld id="{CE149F47-2907-4D70-9A3B-9D223D59D4A9}" type="datetimeFigureOut">
               <a:rPr lang="zh-CN" altLang="en-US" smtClean="0"/>
-              <a:t>2024/9/15</a:t>
+              <a:t>2024/9/19</a:t>
             </a:fld>
             <a:endParaRPr lang="zh-CN" altLang="en-US"/>
           </a:p>
@@ -908,7 +912,7 @@
           <a:p>
             <a:fld id="{CE149F47-2907-4D70-9A3B-9D223D59D4A9}" type="datetimeFigureOut">
               <a:rPr lang="zh-CN" altLang="en-US" smtClean="0"/>
-              <a:t>2024/9/15</a:t>
+              <a:t>2024/9/19</a:t>
             </a:fld>
             <a:endParaRPr lang="zh-CN" altLang="en-US"/>
           </a:p>
@@ -1183,7 +1187,7 @@
           <a:p>
             <a:fld id="{CE149F47-2907-4D70-9A3B-9D223D59D4A9}" type="datetimeFigureOut">
               <a:rPr lang="zh-CN" altLang="en-US" smtClean="0"/>
-              <a:t>2024/9/15</a:t>
+              <a:t>2024/9/19</a:t>
             </a:fld>
             <a:endParaRPr lang="zh-CN" altLang="en-US"/>
           </a:p>
@@ -1448,7 +1452,7 @@
           <a:p>
             <a:fld id="{CE149F47-2907-4D70-9A3B-9D223D59D4A9}" type="datetimeFigureOut">
               <a:rPr lang="zh-CN" altLang="en-US" smtClean="0"/>
-              <a:t>2024/9/15</a:t>
+              <a:t>2024/9/19</a:t>
             </a:fld>
             <a:endParaRPr lang="zh-CN" altLang="en-US"/>
           </a:p>
@@ -1860,7 +1864,7 @@
           <a:p>
             <a:fld id="{CE149F47-2907-4D70-9A3B-9D223D59D4A9}" type="datetimeFigureOut">
               <a:rPr lang="zh-CN" altLang="en-US" smtClean="0"/>
-              <a:t>2024/9/15</a:t>
+              <a:t>2024/9/19</a:t>
             </a:fld>
             <a:endParaRPr lang="zh-CN" altLang="en-US"/>
           </a:p>
@@ -2001,7 +2005,7 @@
           <a:p>
             <a:fld id="{CE149F47-2907-4D70-9A3B-9D223D59D4A9}" type="datetimeFigureOut">
               <a:rPr lang="zh-CN" altLang="en-US" smtClean="0"/>
-              <a:t>2024/9/15</a:t>
+              <a:t>2024/9/19</a:t>
             </a:fld>
             <a:endParaRPr lang="zh-CN" altLang="en-US"/>
           </a:p>
@@ -2114,7 +2118,7 @@
           <a:p>
             <a:fld id="{CE149F47-2907-4D70-9A3B-9D223D59D4A9}" type="datetimeFigureOut">
               <a:rPr lang="zh-CN" altLang="en-US" smtClean="0"/>
-              <a:t>2024/9/15</a:t>
+              <a:t>2024/9/19</a:t>
             </a:fld>
             <a:endParaRPr lang="zh-CN" altLang="en-US"/>
           </a:p>
@@ -2425,7 +2429,7 @@
           <a:p>
             <a:fld id="{CE149F47-2907-4D70-9A3B-9D223D59D4A9}" type="datetimeFigureOut">
               <a:rPr lang="zh-CN" altLang="en-US" smtClean="0"/>
-              <a:t>2024/9/15</a:t>
+              <a:t>2024/9/19</a:t>
             </a:fld>
             <a:endParaRPr lang="zh-CN" altLang="en-US"/>
           </a:p>
@@ -2713,7 +2717,7 @@
           <a:p>
             <a:fld id="{CE149F47-2907-4D70-9A3B-9D223D59D4A9}" type="datetimeFigureOut">
               <a:rPr lang="zh-CN" altLang="en-US" smtClean="0"/>
-              <a:t>2024/9/15</a:t>
+              <a:t>2024/9/19</a:t>
             </a:fld>
             <a:endParaRPr lang="zh-CN" altLang="en-US"/>
           </a:p>
@@ -2954,7 +2958,7 @@
           <a:p>
             <a:fld id="{CE149F47-2907-4D70-9A3B-9D223D59D4A9}" type="datetimeFigureOut">
               <a:rPr lang="zh-CN" altLang="en-US" smtClean="0"/>
-              <a:t>2024/9/15</a:t>
+              <a:t>2024/9/19</a:t>
             </a:fld>
             <a:endParaRPr lang="zh-CN" altLang="en-US"/>
           </a:p>
@@ -5465,6 +5469,877 @@
 </p:sld>
 </file>
 
+<file path=ppt/slides/slide14.xml><?xml version="1.0" encoding="utf-8"?>
+<p:sld xmlns:a="http://schemas.openxmlformats.org/drawingml/2006/main" xmlns:r="http://schemas.openxmlformats.org/officeDocument/2006/relationships" xmlns:p="http://schemas.openxmlformats.org/presentationml/2006/main">
+  <p:cSld>
+    <p:spTree>
+      <p:nvGrpSpPr>
+        <p:cNvPr id="1" name=""/>
+        <p:cNvGrpSpPr/>
+        <p:nvPr/>
+      </p:nvGrpSpPr>
+      <p:grpSpPr>
+        <a:xfrm>
+          <a:off x="0" y="0"/>
+          <a:ext cx="0" cy="0"/>
+          <a:chOff x="0" y="0"/>
+          <a:chExt cx="0" cy="0"/>
+        </a:xfrm>
+      </p:grpSpPr>
+      <p:sp>
+        <p:nvSpPr>
+          <p:cNvPr id="2" name="标题 1">
+            <a:extLst>
+              <a:ext uri="{FF2B5EF4-FFF2-40B4-BE49-F238E27FC236}">
+                <a16:creationId xmlns:a16="http://schemas.microsoft.com/office/drawing/2014/main" id="{7425265A-6ACC-47E2-0C19-DE2D09FEE76F}"/>
+              </a:ext>
+            </a:extLst>
+          </p:cNvPr>
+          <p:cNvSpPr>
+            <a:spLocks noGrp="1"/>
+          </p:cNvSpPr>
+          <p:nvPr>
+            <p:ph type="title"/>
+          </p:nvPr>
+        </p:nvSpPr>
+        <p:spPr/>
+        <p:txBody>
+          <a:bodyPr/>
+          <a:lstStyle/>
+          <a:p>
+            <a:r>
+              <a:rPr lang="en-US" altLang="zh-CN" dirty="0"/>
+              <a:t>Tutorial</a:t>
+            </a:r>
+            <a:r>
+              <a:rPr lang="zh-CN" altLang="en-US" dirty="0"/>
+              <a:t> </a:t>
+            </a:r>
+            <a:r>
+              <a:rPr lang="en-US" altLang="zh-CN" dirty="0"/>
+              <a:t>3</a:t>
+            </a:r>
+            <a:endParaRPr lang="zh-CN" altLang="en-US" dirty="0"/>
+          </a:p>
+        </p:txBody>
+      </p:sp>
+      <p:sp>
+        <p:nvSpPr>
+          <p:cNvPr id="3" name="内容占位符 2">
+            <a:extLst>
+              <a:ext uri="{FF2B5EF4-FFF2-40B4-BE49-F238E27FC236}">
+                <a16:creationId xmlns:a16="http://schemas.microsoft.com/office/drawing/2014/main" id="{F449A033-3569-6E9E-28BF-D7CCA64C4019}"/>
+              </a:ext>
+            </a:extLst>
+          </p:cNvPr>
+          <p:cNvSpPr>
+            <a:spLocks noGrp="1"/>
+          </p:cNvSpPr>
+          <p:nvPr>
+            <p:ph idx="1"/>
+          </p:nvPr>
+        </p:nvSpPr>
+        <p:spPr>
+          <a:xfrm>
+            <a:off x="838200" y="1351280"/>
+            <a:ext cx="10515600" cy="5506719"/>
+          </a:xfrm>
+        </p:spPr>
+        <p:txBody>
+          <a:bodyPr>
+            <a:normAutofit fontScale="55000" lnSpcReduction="20000"/>
+          </a:bodyPr>
+          <a:lstStyle/>
+          <a:p>
+            <a:r>
+              <a:rPr lang="en-US" altLang="zh-CN" dirty="0"/>
+              <a:t>1. (right)</a:t>
+            </a:r>
+            <a:r>
+              <a:rPr lang="zh-CN" altLang="en-US" dirty="0"/>
+              <a:t>他是按照包来发送的叭？和包的大小无关喽？（后面说法是对的）</a:t>
+            </a:r>
+            <a:endParaRPr lang="en-US" altLang="zh-CN" dirty="0"/>
+          </a:p>
+          <a:p>
+            <a:pPr lvl="1"/>
+            <a:r>
+              <a:rPr lang="en-US" altLang="zh-CN" dirty="0"/>
+              <a:t>1Gbits/10Mbps=100s</a:t>
+            </a:r>
+          </a:p>
+          <a:p>
+            <a:r>
+              <a:rPr lang="en-US" altLang="zh-CN" dirty="0"/>
+              <a:t>2.</a:t>
+            </a:r>
+            <a:r>
+              <a:rPr lang="zh-CN" altLang="en-US" dirty="0"/>
+              <a:t>这个是要包括握手的时间差么？</a:t>
+            </a:r>
+            <a:r>
+              <a:rPr lang="en-US" altLang="zh-CN" dirty="0"/>
+              <a:t>——</a:t>
+            </a:r>
+            <a:r>
+              <a:rPr lang="zh-CN" altLang="en-US" dirty="0"/>
+              <a:t>访问</a:t>
+            </a:r>
+            <a:r>
+              <a:rPr lang="en-US" altLang="zh-CN" dirty="0"/>
+              <a:t>local DNS cache</a:t>
+            </a:r>
+            <a:r>
+              <a:rPr lang="zh-CN" altLang="en-US" dirty="0"/>
+              <a:t>不需要握手</a:t>
+            </a:r>
+            <a:endParaRPr lang="en-US" altLang="zh-CN" dirty="0"/>
+          </a:p>
+          <a:p>
+            <a:pPr lvl="1"/>
+            <a:r>
+              <a:rPr lang="en-US" altLang="zh-CN" strike="sngStrike" dirty="0"/>
+              <a:t>2RTT0+2RTT1=40msecs</a:t>
+            </a:r>
+          </a:p>
+          <a:p>
+            <a:pPr lvl="1"/>
+            <a:r>
+              <a:rPr lang="en-US" altLang="zh-CN" dirty="0"/>
+              <a:t>RTT0+2RTT1=35msec</a:t>
+            </a:r>
+          </a:p>
+          <a:p>
+            <a:r>
+              <a:rPr lang="en-US" altLang="zh-CN" dirty="0">
+                <a:highlight>
+                  <a:srgbClr val="FF0000"/>
+                </a:highlight>
+              </a:rPr>
+              <a:t>3.a: </a:t>
+            </a:r>
+            <a:r>
+              <a:rPr lang="en-US" altLang="zh-CN" dirty="0"/>
+              <a:t>List the sequence</a:t>
+            </a:r>
+            <a:r>
+              <a:rPr lang="zh-CN" altLang="en-US" dirty="0"/>
+              <a:t>是什么意思？？是说路径么</a:t>
+            </a:r>
+            <a:endParaRPr lang="en-US" altLang="zh-CN" dirty="0"/>
+          </a:p>
+          <a:p>
+            <a:pPr lvl="1"/>
+            <a:r>
+              <a:rPr lang="en-US" altLang="zh-CN" strike="sngStrike" dirty="0"/>
+              <a:t>DNS message1 : </a:t>
+            </a:r>
+            <a:r>
+              <a:rPr lang="en-US" altLang="zh-CN" strike="sngStrike" dirty="0">
+                <a:sym typeface="Wingdings" panose="05000000000000000000" pitchFamily="2" charset="2"/>
+              </a:rPr>
+              <a:t>Local DNS server R1 Internet  R1  Local DNS server </a:t>
+            </a:r>
+          </a:p>
+          <a:p>
+            <a:pPr lvl="1"/>
+            <a:r>
+              <a:rPr lang="en-US" altLang="zh-CN" strike="sngStrike" dirty="0"/>
+              <a:t>DNS message2 : </a:t>
+            </a:r>
+            <a:r>
+              <a:rPr lang="en-US" altLang="zh-CN" strike="sngStrike" dirty="0">
+                <a:sym typeface="Wingdings" panose="05000000000000000000" pitchFamily="2" charset="2"/>
+              </a:rPr>
+              <a:t>Local DNS server R1 R2Authoritative DNS server for b.com  R2R1  Local DNS server</a:t>
+            </a:r>
+          </a:p>
+          <a:p>
+            <a:pPr lvl="1"/>
+            <a:r>
+              <a:rPr lang="en-US" altLang="zh-CN" strike="sngStrike" dirty="0"/>
+              <a:t>HTTP message1 : m1.a.com  </a:t>
+            </a:r>
+            <a:r>
+              <a:rPr lang="en-US" altLang="zh-CN" strike="sngStrike" dirty="0">
+                <a:sym typeface="Wingdings" panose="05000000000000000000" pitchFamily="2" charset="2"/>
+              </a:rPr>
+              <a:t> HTTP cache  Local DNS server R1 Internet  R1  Local DNS server  HTTP cache  R1  Internet			1Gbits/1Mbps=1000s</a:t>
+            </a:r>
+          </a:p>
+          <a:p>
+            <a:pPr lvl="1"/>
+            <a:r>
+              <a:rPr lang="en-US" altLang="zh-CN" strike="sngStrike" dirty="0"/>
+              <a:t>HTTP message2 : m1.a.com  </a:t>
+            </a:r>
+            <a:r>
+              <a:rPr lang="en-US" altLang="zh-CN" strike="sngStrike" dirty="0">
+                <a:sym typeface="Wingdings" panose="05000000000000000000" pitchFamily="2" charset="2"/>
+              </a:rPr>
+              <a:t> HTTP cache  Local DNS server R1 R2Authoritative DNS server for b.com  R2R1  Local DNS server  HTTP cache  R1  R2  </a:t>
+            </a:r>
+            <a:r>
+              <a:rPr lang="en-US" altLang="zh-CN" strike="sngStrike" dirty="0">
+                <a:sym typeface="Wingdings" panose="05000000000000000000" pitchFamily="2" charset="2"/>
+                <a:hlinkClick r:id="rId2"/>
+              </a:rPr>
+              <a:t>www.b.com</a:t>
+            </a:r>
+            <a:endParaRPr lang="en-US" altLang="zh-CN" strike="sngStrike" dirty="0">
+              <a:sym typeface="Wingdings" panose="05000000000000000000" pitchFamily="2" charset="2"/>
+            </a:endParaRPr>
+          </a:p>
+          <a:p>
+            <a:pPr lvl="1"/>
+            <a:r>
+              <a:rPr lang="en-US" altLang="zh-CN" strike="sngStrike" dirty="0">
+                <a:sym typeface="Wingdings" panose="05000000000000000000" pitchFamily="2" charset="2"/>
+              </a:rPr>
+              <a:t>DNS: m1.a.comLocal DNS </a:t>
+            </a:r>
+            <a:r>
+              <a:rPr lang="en-US" altLang="zh-CN" strike="sngStrike" dirty="0" err="1">
+                <a:sym typeface="Wingdings" panose="05000000000000000000" pitchFamily="2" charset="2"/>
+              </a:rPr>
+              <a:t>serverInternet</a:t>
+            </a:r>
+            <a:r>
+              <a:rPr lang="en-US" altLang="zh-CN" strike="sngStrike" dirty="0">
+                <a:sym typeface="Wingdings" panose="05000000000000000000" pitchFamily="2" charset="2"/>
+              </a:rPr>
+              <a:t> m1.a.com(TLD.comm1.a.com Authoritative DNS server for b.com??)</a:t>
+            </a:r>
+          </a:p>
+          <a:p>
+            <a:r>
+              <a:rPr lang="en-US" altLang="zh-CN" dirty="0">
+                <a:highlight>
+                  <a:srgbClr val="FF0000"/>
+                </a:highlight>
+                <a:sym typeface="Wingdings" panose="05000000000000000000" pitchFamily="2" charset="2"/>
+              </a:rPr>
+              <a:t>3.b.??</a:t>
+            </a:r>
+            <a:r>
+              <a:rPr lang="zh-CN" altLang="en-US" dirty="0">
+                <a:sym typeface="Wingdings" panose="05000000000000000000" pitchFamily="2" charset="2"/>
+              </a:rPr>
+              <a:t>没看懂啊真的没看懂这题目</a:t>
+            </a:r>
+            <a:endParaRPr lang="en-US" altLang="zh-CN" dirty="0">
+              <a:sym typeface="Wingdings" panose="05000000000000000000" pitchFamily="2" charset="2"/>
+            </a:endParaRPr>
+          </a:p>
+          <a:p>
+            <a:r>
+              <a:rPr lang="en-US" altLang="zh-CN" dirty="0">
+                <a:sym typeface="Wingdings" panose="05000000000000000000" pitchFamily="2" charset="2"/>
+              </a:rPr>
+              <a:t>DNS:m2.a.comLocal DNS serverm2.a.com</a:t>
+            </a:r>
+          </a:p>
+          <a:p>
+            <a:r>
+              <a:rPr lang="en-US" altLang="zh-CN" dirty="0">
+                <a:sym typeface="Wingdings" panose="05000000000000000000" pitchFamily="2" charset="2"/>
+              </a:rPr>
+              <a:t>HTTP message: m2</a:t>
+            </a:r>
+          </a:p>
+          <a:p>
+            <a:r>
+              <a:rPr lang="en-US" altLang="zh-CN" dirty="0">
+                <a:highlight>
+                  <a:srgbClr val="FF0000"/>
+                </a:highlight>
+                <a:sym typeface="Wingdings" panose="05000000000000000000" pitchFamily="2" charset="2"/>
+              </a:rPr>
+              <a:t>4. </a:t>
+            </a:r>
+            <a:r>
+              <a:rPr lang="en-US" altLang="zh-CN" dirty="0">
+                <a:sym typeface="Wingdings" panose="05000000000000000000" pitchFamily="2" charset="2"/>
+              </a:rPr>
+              <a:t>The website add the </a:t>
+            </a:r>
+            <a:r>
+              <a:rPr lang="en-US" altLang="zh-CN" dirty="0" err="1">
+                <a:sym typeface="Wingdings" panose="05000000000000000000" pitchFamily="2" charset="2"/>
+              </a:rPr>
+              <a:t>url</a:t>
+            </a:r>
+            <a:r>
+              <a:rPr lang="en-US" altLang="zh-CN" dirty="0">
+                <a:sym typeface="Wingdings" panose="05000000000000000000" pitchFamily="2" charset="2"/>
+              </a:rPr>
+              <a:t> into the html file which records the historical browsed items and add some recommendations. (2)by cookies Amazon remember who the </a:t>
+            </a:r>
+            <a:r>
+              <a:rPr lang="en-US" altLang="zh-CN" dirty="0" err="1">
+                <a:sym typeface="Wingdings" panose="05000000000000000000" pitchFamily="2" charset="2"/>
+              </a:rPr>
+              <a:t>browers</a:t>
+            </a:r>
+            <a:r>
+              <a:rPr lang="en-US" altLang="zh-CN" dirty="0">
+                <a:sym typeface="Wingdings" panose="05000000000000000000" pitchFamily="2" charset="2"/>
+              </a:rPr>
+              <a:t> is and guide the accessing </a:t>
+            </a:r>
+            <a:r>
+              <a:rPr lang="en-US" altLang="zh-CN" dirty="0" err="1">
+                <a:sym typeface="Wingdings" panose="05000000000000000000" pitchFamily="2" charset="2"/>
+              </a:rPr>
+              <a:t>url</a:t>
+            </a:r>
+            <a:r>
+              <a:rPr lang="en-US" altLang="zh-CN" dirty="0">
+                <a:sym typeface="Wingdings" panose="05000000000000000000" pitchFamily="2" charset="2"/>
+              </a:rPr>
+              <a:t> into the very html file made up for the very consumer.</a:t>
+            </a:r>
+          </a:p>
+          <a:p>
+            <a:r>
+              <a:rPr lang="en-US" altLang="zh-CN" dirty="0"/>
+              <a:t>5.a: 11 request messages, 2*3=6 RTTs	(2RTTs for HTML,2 for 5 objects, 2 for 5 objects)</a:t>
+            </a:r>
+          </a:p>
+          <a:p>
+            <a:r>
+              <a:rPr lang="en-US" altLang="zh-CN" dirty="0"/>
+              <a:t>5.b: 5 request messages, 3 RTTs</a:t>
+            </a:r>
+          </a:p>
+          <a:p>
+            <a:r>
+              <a:rPr lang="en-US" altLang="zh-CN" dirty="0"/>
+              <a:t>5c. 11 request messages, 2*11 =22 RTTs</a:t>
+            </a:r>
+          </a:p>
+          <a:p>
+            <a:r>
+              <a:rPr lang="en-US" altLang="zh-CN" dirty="0"/>
+              <a:t>5d. 1 request messages,</a:t>
+            </a:r>
+            <a:r>
+              <a:rPr lang="en-US" altLang="zh-CN" strike="sngStrike" dirty="0"/>
+              <a:t> 12RTTs</a:t>
+            </a:r>
+            <a:r>
+              <a:rPr lang="en-US" altLang="zh-CN" dirty="0"/>
+              <a:t>	3RTTs</a:t>
+            </a:r>
+          </a:p>
+          <a:p>
+            <a:endParaRPr lang="en-US" altLang="zh-CN" dirty="0"/>
+          </a:p>
+          <a:p>
+            <a:endParaRPr lang="zh-CN" altLang="en-US" dirty="0"/>
+          </a:p>
+        </p:txBody>
+      </p:sp>
+    </p:spTree>
+    <p:extLst>
+      <p:ext uri="{BB962C8B-B14F-4D97-AF65-F5344CB8AC3E}">
+        <p14:creationId xmlns:p14="http://schemas.microsoft.com/office/powerpoint/2010/main" val="849801145"/>
+      </p:ext>
+    </p:extLst>
+  </p:cSld>
+  <p:clrMapOvr>
+    <a:masterClrMapping/>
+  </p:clrMapOvr>
+</p:sld>
+</file>
+
+<file path=ppt/slides/slide15.xml><?xml version="1.0" encoding="utf-8"?>
+<p:sld xmlns:a="http://schemas.openxmlformats.org/drawingml/2006/main" xmlns:r="http://schemas.openxmlformats.org/officeDocument/2006/relationships" xmlns:p="http://schemas.openxmlformats.org/presentationml/2006/main">
+  <p:cSld>
+    <p:spTree>
+      <p:nvGrpSpPr>
+        <p:cNvPr id="1" name=""/>
+        <p:cNvGrpSpPr/>
+        <p:nvPr/>
+      </p:nvGrpSpPr>
+      <p:grpSpPr>
+        <a:xfrm>
+          <a:off x="0" y="0"/>
+          <a:ext cx="0" cy="0"/>
+          <a:chOff x="0" y="0"/>
+          <a:chExt cx="0" cy="0"/>
+        </a:xfrm>
+      </p:grpSpPr>
+      <p:sp>
+        <p:nvSpPr>
+          <p:cNvPr id="2" name="标题 1">
+            <a:extLst>
+              <a:ext uri="{FF2B5EF4-FFF2-40B4-BE49-F238E27FC236}">
+                <a16:creationId xmlns:a16="http://schemas.microsoft.com/office/drawing/2014/main" id="{CE62B543-46BA-A5D5-08FB-68917487107B}"/>
+              </a:ext>
+            </a:extLst>
+          </p:cNvPr>
+          <p:cNvSpPr>
+            <a:spLocks noGrp="1"/>
+          </p:cNvSpPr>
+          <p:nvPr>
+            <p:ph type="title"/>
+          </p:nvPr>
+        </p:nvSpPr>
+        <p:spPr/>
+        <p:txBody>
+          <a:bodyPr/>
+          <a:lstStyle/>
+          <a:p>
+            <a:endParaRPr lang="zh-CN" altLang="en-US"/>
+          </a:p>
+        </p:txBody>
+      </p:sp>
+      <p:sp>
+        <p:nvSpPr>
+          <p:cNvPr id="3" name="内容占位符 2">
+            <a:extLst>
+              <a:ext uri="{FF2B5EF4-FFF2-40B4-BE49-F238E27FC236}">
+                <a16:creationId xmlns:a16="http://schemas.microsoft.com/office/drawing/2014/main" id="{5F9BC29B-D54D-0513-0B5F-6F96B9454E57}"/>
+              </a:ext>
+            </a:extLst>
+          </p:cNvPr>
+          <p:cNvSpPr>
+            <a:spLocks noGrp="1"/>
+          </p:cNvSpPr>
+          <p:nvPr>
+            <p:ph idx="1"/>
+          </p:nvPr>
+        </p:nvSpPr>
+        <p:spPr/>
+        <p:txBody>
+          <a:bodyPr>
+            <a:normAutofit fontScale="85000" lnSpcReduction="10000"/>
+          </a:bodyPr>
+          <a:lstStyle/>
+          <a:p>
+            <a:r>
+              <a:rPr lang="en-US" altLang="zh-CN" dirty="0"/>
+              <a:t>3.a  </a:t>
+            </a:r>
+          </a:p>
+          <a:p>
+            <a:pPr lvl="1"/>
+            <a:r>
+              <a:rPr lang="zh-CN" altLang="en-US" dirty="0"/>
+              <a:t>首先</a:t>
+            </a:r>
+            <a:r>
+              <a:rPr lang="en-US" altLang="zh-CN" dirty="0"/>
+              <a:t>m1</a:t>
+            </a:r>
+            <a:r>
+              <a:rPr lang="zh-CN" altLang="en-US" dirty="0"/>
+              <a:t>去</a:t>
+            </a:r>
+            <a:r>
+              <a:rPr lang="en-US" altLang="zh-CN" dirty="0"/>
+              <a:t>local DNS</a:t>
+            </a:r>
+            <a:r>
+              <a:rPr lang="zh-CN" altLang="en-US" dirty="0"/>
+              <a:t>，</a:t>
+            </a:r>
+            <a:r>
+              <a:rPr lang="en-US" altLang="zh-CN" dirty="0"/>
+              <a:t>DNS message</a:t>
+            </a:r>
+            <a:r>
+              <a:rPr lang="zh-CN" altLang="en-US" dirty="0"/>
+              <a:t>，时间</a:t>
+            </a:r>
+            <a:r>
+              <a:rPr lang="en-US" altLang="zh-CN" dirty="0"/>
+              <a:t>0</a:t>
+            </a:r>
+          </a:p>
+          <a:p>
+            <a:pPr lvl="1"/>
+            <a:r>
+              <a:rPr lang="zh-CN" altLang="en-US" dirty="0"/>
+              <a:t>然后</a:t>
+            </a:r>
+            <a:r>
+              <a:rPr lang="en-US" altLang="zh-CN" dirty="0"/>
+              <a:t>Local DNS </a:t>
+            </a:r>
+            <a:r>
+              <a:rPr lang="zh-CN" altLang="en-US" dirty="0"/>
+              <a:t>去</a:t>
+            </a:r>
+            <a:r>
+              <a:rPr lang="en-US" altLang="zh-CN" dirty="0"/>
+              <a:t>Internet</a:t>
+            </a:r>
+            <a:r>
+              <a:rPr lang="zh-CN" altLang="en-US" dirty="0"/>
+              <a:t>里找</a:t>
+            </a:r>
+            <a:r>
+              <a:rPr lang="en-US" altLang="zh-CN" b="1" dirty="0"/>
+              <a:t>root DNS server</a:t>
+            </a:r>
+            <a:r>
+              <a:rPr lang="zh-CN" altLang="en-US" dirty="0"/>
+              <a:t>，</a:t>
+            </a:r>
+            <a:r>
+              <a:rPr lang="en-US" altLang="zh-CN" dirty="0"/>
+              <a:t>DNS message,</a:t>
+            </a:r>
+            <a:r>
+              <a:rPr lang="zh-CN" altLang="en-US" dirty="0"/>
+              <a:t> </a:t>
+            </a:r>
+            <a:r>
+              <a:rPr lang="en-US" altLang="zh-CN" dirty="0"/>
+              <a:t>500ms</a:t>
+            </a:r>
+          </a:p>
+          <a:p>
+            <a:pPr lvl="1"/>
+            <a:r>
+              <a:rPr lang="zh-CN" altLang="en-US" dirty="0"/>
+              <a:t>它返给</a:t>
+            </a:r>
+            <a:r>
+              <a:rPr lang="en-US" altLang="zh-CN" dirty="0"/>
+              <a:t>Local DNS</a:t>
+            </a:r>
+            <a:r>
+              <a:rPr lang="zh-CN" altLang="en-US" dirty="0"/>
+              <a:t>一个</a:t>
+            </a:r>
+            <a:r>
+              <a:rPr lang="en-US" altLang="zh-CN" dirty="0"/>
+              <a:t>.com</a:t>
+            </a:r>
+            <a:r>
+              <a:rPr lang="zh-CN" altLang="en-US" dirty="0"/>
+              <a:t>的</a:t>
+            </a:r>
+            <a:r>
+              <a:rPr lang="en-US" altLang="zh-CN" b="0" i="0" dirty="0">
+                <a:effectLst/>
+                <a:latin typeface="Arial" panose="020B0604020202020204" pitchFamily="34" charset="0"/>
+              </a:rPr>
+              <a:t> DNS Top Level Domain server</a:t>
+            </a:r>
+            <a:r>
+              <a:rPr lang="zh-CN" altLang="en-US" b="0" i="0" dirty="0">
+                <a:effectLst/>
+                <a:latin typeface="Arial" panose="020B0604020202020204" pitchFamily="34" charset="0"/>
+              </a:rPr>
+              <a:t>，</a:t>
+            </a:r>
+            <a:r>
+              <a:rPr lang="en-US" altLang="zh-CN" dirty="0"/>
+              <a:t> DNS message,</a:t>
+            </a:r>
+            <a:r>
+              <a:rPr lang="zh-CN" altLang="en-US" dirty="0"/>
+              <a:t> </a:t>
+            </a:r>
+            <a:r>
+              <a:rPr lang="en-US" altLang="zh-CN" dirty="0"/>
+              <a:t>500ms</a:t>
+            </a:r>
+          </a:p>
+          <a:p>
+            <a:pPr lvl="1"/>
+            <a:r>
+              <a:rPr lang="zh-CN" altLang="en-US" dirty="0"/>
+              <a:t>于是</a:t>
+            </a:r>
+            <a:r>
+              <a:rPr lang="en-US" altLang="zh-CN" dirty="0"/>
+              <a:t>Local DNS</a:t>
+            </a:r>
+            <a:r>
+              <a:rPr lang="zh-CN" altLang="en-US" dirty="0"/>
+              <a:t>去找</a:t>
+            </a:r>
+            <a:r>
+              <a:rPr lang="en-US" altLang="zh-CN" dirty="0"/>
+              <a:t>TLD</a:t>
+            </a:r>
+            <a:r>
+              <a:rPr lang="zh-CN" altLang="en-US" dirty="0"/>
+              <a:t>要，</a:t>
+            </a:r>
+            <a:r>
+              <a:rPr lang="en-US" altLang="zh-CN" dirty="0"/>
+              <a:t> DNS message,</a:t>
+            </a:r>
+            <a:r>
+              <a:rPr lang="zh-CN" altLang="en-US" dirty="0"/>
+              <a:t> </a:t>
+            </a:r>
+            <a:r>
+              <a:rPr lang="en-US" altLang="zh-CN" dirty="0"/>
+              <a:t>500ms</a:t>
+            </a:r>
+          </a:p>
+          <a:p>
+            <a:pPr lvl="1"/>
+            <a:r>
+              <a:rPr lang="en-US" altLang="zh-CN" dirty="0"/>
+              <a:t>TLD</a:t>
+            </a:r>
+            <a:r>
+              <a:rPr lang="zh-CN" altLang="en-US" dirty="0"/>
+              <a:t>返给</a:t>
+            </a:r>
+            <a:r>
+              <a:rPr lang="en-US" altLang="zh-CN" dirty="0"/>
+              <a:t>Local DNS b.com DNS(</a:t>
+            </a:r>
+            <a:r>
+              <a:rPr lang="en-US" altLang="zh-CN" b="0" i="0" dirty="0">
+                <a:effectLst/>
+                <a:latin typeface="Arial" panose="020B0604020202020204" pitchFamily="34" charset="0"/>
+              </a:rPr>
+              <a:t>authoritative name server</a:t>
+            </a:r>
+            <a:r>
+              <a:rPr lang="en-US" altLang="zh-CN" dirty="0"/>
+              <a:t>)</a:t>
+            </a:r>
+            <a:r>
+              <a:rPr lang="zh-CN" altLang="en-US" dirty="0"/>
+              <a:t>，</a:t>
+            </a:r>
+            <a:r>
+              <a:rPr lang="en-US" altLang="zh-CN" dirty="0"/>
+              <a:t>DNS message,500ms</a:t>
+            </a:r>
+          </a:p>
+          <a:p>
+            <a:pPr lvl="1"/>
+            <a:r>
+              <a:rPr lang="en-US" altLang="zh-CN" dirty="0"/>
+              <a:t>Local DNS </a:t>
+            </a:r>
+            <a:r>
+              <a:rPr lang="zh-CN" altLang="en-US" dirty="0"/>
+              <a:t>去</a:t>
+            </a:r>
+            <a:r>
+              <a:rPr lang="en-US" altLang="zh-CN" b="0" i="0" dirty="0">
+                <a:effectLst/>
+                <a:latin typeface="Arial" panose="020B0604020202020204" pitchFamily="34" charset="0"/>
+              </a:rPr>
+              <a:t>authoritative name </a:t>
+            </a:r>
+            <a:r>
+              <a:rPr lang="en-US" altLang="zh-CN" b="0" i="0" dirty="0" err="1">
+                <a:effectLst/>
+                <a:latin typeface="Arial" panose="020B0604020202020204" pitchFamily="34" charset="0"/>
+              </a:rPr>
+              <a:t>server,</a:t>
+            </a:r>
+            <a:r>
+              <a:rPr lang="en-US" altLang="zh-CN" dirty="0" err="1"/>
+              <a:t>DNS</a:t>
+            </a:r>
+            <a:r>
+              <a:rPr lang="en-US" altLang="zh-CN" dirty="0"/>
+              <a:t> message,</a:t>
+            </a:r>
+            <a:r>
+              <a:rPr lang="zh-CN" altLang="en-US" dirty="0"/>
+              <a:t>时间</a:t>
+            </a:r>
+            <a:r>
+              <a:rPr lang="en-US" altLang="zh-CN" dirty="0"/>
+              <a:t>0</a:t>
+            </a:r>
+          </a:p>
+          <a:p>
+            <a:pPr lvl="1"/>
+            <a:r>
+              <a:rPr lang="en-US" altLang="zh-CN" b="0" i="0" dirty="0">
+                <a:effectLst/>
+                <a:latin typeface="Arial" panose="020B0604020202020204" pitchFamily="34" charset="0"/>
+              </a:rPr>
+              <a:t>authoritative name server</a:t>
+            </a:r>
+            <a:r>
+              <a:rPr lang="zh-CN" altLang="en-US" dirty="0">
+                <a:latin typeface="Arial" panose="020B0604020202020204" pitchFamily="34" charset="0"/>
+              </a:rPr>
+              <a:t>返回</a:t>
+            </a:r>
+            <a:r>
+              <a:rPr lang="en-US" altLang="zh-CN" dirty="0">
+                <a:latin typeface="Arial" panose="020B0604020202020204" pitchFamily="34" charset="0"/>
+                <a:hlinkClick r:id="rId2"/>
+              </a:rPr>
+              <a:t>www.b.com</a:t>
+            </a:r>
+            <a:r>
+              <a:rPr lang="zh-CN" altLang="en-US" dirty="0">
+                <a:latin typeface="Arial" panose="020B0604020202020204" pitchFamily="34" charset="0"/>
+                <a:hlinkClick r:id="rId2"/>
+              </a:rPr>
+              <a:t>的</a:t>
+            </a:r>
+            <a:r>
+              <a:rPr lang="en-US" altLang="zh-CN" dirty="0">
+                <a:latin typeface="Arial" panose="020B0604020202020204" pitchFamily="34" charset="0"/>
+                <a:hlinkClick r:id="rId2"/>
+              </a:rPr>
+              <a:t>IP</a:t>
+            </a:r>
+            <a:r>
+              <a:rPr lang="zh-CN" altLang="en-US" dirty="0">
+                <a:latin typeface="Arial" panose="020B0604020202020204" pitchFamily="34" charset="0"/>
+              </a:rPr>
+              <a:t>地址给</a:t>
+            </a:r>
+            <a:r>
+              <a:rPr lang="en-US" altLang="zh-CN" dirty="0">
+                <a:latin typeface="Arial" panose="020B0604020202020204" pitchFamily="34" charset="0"/>
+              </a:rPr>
+              <a:t>Local DNS</a:t>
+            </a:r>
+            <a:r>
+              <a:rPr lang="zh-CN" altLang="en-US" dirty="0">
+                <a:latin typeface="Arial" panose="020B0604020202020204" pitchFamily="34" charset="0"/>
+              </a:rPr>
+              <a:t>，</a:t>
+            </a:r>
+            <a:r>
+              <a:rPr lang="en-US" altLang="zh-CN" dirty="0"/>
+              <a:t>DNS message,</a:t>
+            </a:r>
+            <a:r>
+              <a:rPr lang="zh-CN" altLang="en-US" dirty="0"/>
+              <a:t>时间</a:t>
+            </a:r>
+            <a:r>
+              <a:rPr lang="en-US" altLang="zh-CN" dirty="0"/>
+              <a:t>0</a:t>
+            </a:r>
+          </a:p>
+          <a:p>
+            <a:pPr lvl="1"/>
+            <a:endParaRPr lang="en-US" altLang="zh-CN" dirty="0"/>
+          </a:p>
+          <a:p>
+            <a:pPr lvl="1"/>
+            <a:r>
+              <a:rPr lang="zh-CN" altLang="en-US" dirty="0"/>
+              <a:t>接下来直到建立</a:t>
+            </a:r>
+            <a:r>
+              <a:rPr lang="en-US" altLang="zh-CN" dirty="0"/>
+              <a:t>TCP</a:t>
+            </a:r>
+            <a:r>
+              <a:rPr lang="zh-CN" altLang="en-US" dirty="0"/>
+              <a:t>连接（</a:t>
+            </a:r>
+            <a:r>
+              <a:rPr lang="en-US" altLang="zh-CN" dirty="0"/>
+              <a:t>Local DNS</a:t>
+            </a:r>
+            <a:r>
+              <a:rPr lang="en-US" altLang="zh-CN" dirty="0">
+                <a:sym typeface="Wingdings" panose="05000000000000000000" pitchFamily="2" charset="2"/>
+              </a:rPr>
+              <a:t>m1www.b.comm1</a:t>
+            </a:r>
+            <a:r>
+              <a:rPr lang="zh-CN" altLang="en-US" dirty="0"/>
+              <a:t>）都是时间忽略</a:t>
+            </a:r>
+            <a:endParaRPr lang="en-US" altLang="zh-CN" dirty="0"/>
+          </a:p>
+          <a:p>
+            <a:pPr lvl="1"/>
+            <a:endParaRPr lang="en-US" altLang="zh-CN" dirty="0"/>
+          </a:p>
+          <a:p>
+            <a:pPr lvl="1"/>
+            <a:r>
+              <a:rPr lang="en-US" altLang="zh-CN" dirty="0"/>
+              <a:t>M1</a:t>
+            </a:r>
+            <a:r>
+              <a:rPr lang="en-US" altLang="zh-CN" dirty="0">
+                <a:sym typeface="Wingdings" panose="05000000000000000000" pitchFamily="2" charset="2"/>
+              </a:rPr>
+              <a:t>www.b.comHTTP cache, HTTP GET message,</a:t>
+            </a:r>
+            <a:r>
+              <a:rPr lang="zh-CN" altLang="en-US" dirty="0">
+                <a:sym typeface="Wingdings" panose="05000000000000000000" pitchFamily="2" charset="2"/>
+              </a:rPr>
+              <a:t>时间</a:t>
+            </a:r>
+            <a:r>
+              <a:rPr lang="en-US" altLang="zh-CN" dirty="0">
+                <a:sym typeface="Wingdings" panose="05000000000000000000" pitchFamily="2" charset="2"/>
+              </a:rPr>
+              <a:t>0</a:t>
+            </a:r>
+          </a:p>
+          <a:p>
+            <a:pPr lvl="1"/>
+            <a:r>
+              <a:rPr lang="en-US" altLang="zh-CN" dirty="0"/>
+              <a:t>M1</a:t>
+            </a:r>
+            <a:r>
+              <a:rPr lang="en-US" altLang="zh-CN" dirty="0">
+                <a:sym typeface="Wingdings" panose="05000000000000000000" pitchFamily="2" charset="2"/>
+              </a:rPr>
+              <a:t>www.b.comHTTP cache, HTTP GET message,</a:t>
+            </a:r>
+            <a:r>
+              <a:rPr lang="zh-CN" altLang="en-US" dirty="0">
+                <a:sym typeface="Wingdings" panose="05000000000000000000" pitchFamily="2" charset="2"/>
+              </a:rPr>
+              <a:t>时间</a:t>
+            </a:r>
+            <a:r>
+              <a:rPr lang="en-US" altLang="zh-CN">
+                <a:sym typeface="Wingdings" panose="05000000000000000000" pitchFamily="2" charset="2"/>
+              </a:rPr>
+              <a:t>0</a:t>
+            </a:r>
+          </a:p>
+          <a:p>
+            <a:pPr lvl="1"/>
+            <a:endParaRPr lang="en-US" altLang="zh-CN" dirty="0">
+              <a:sym typeface="Wingdings" panose="05000000000000000000" pitchFamily="2" charset="2"/>
+            </a:endParaRPr>
+          </a:p>
+          <a:p>
+            <a:pPr lvl="1"/>
+            <a:endParaRPr lang="en-US" altLang="zh-CN" dirty="0"/>
+          </a:p>
+        </p:txBody>
+      </p:sp>
+    </p:spTree>
+    <p:extLst>
+      <p:ext uri="{BB962C8B-B14F-4D97-AF65-F5344CB8AC3E}">
+        <p14:creationId xmlns:p14="http://schemas.microsoft.com/office/powerpoint/2010/main" val="288204834"/>
+      </p:ext>
+    </p:extLst>
+  </p:cSld>
+  <p:clrMapOvr>
+    <a:masterClrMapping/>
+  </p:clrMapOvr>
+</p:sld>
+</file>
+
 <file path=ppt/slides/slide2.xml><?xml version="1.0" encoding="utf-8"?>
 <p:sld xmlns:a="http://schemas.openxmlformats.org/drawingml/2006/main" xmlns:r="http://schemas.openxmlformats.org/officeDocument/2006/relationships" xmlns:p="http://schemas.openxmlformats.org/presentationml/2006/main">
   <p:cSld>
